--- a/1Lecture.pptx
+++ b/1Lecture.pptx
@@ -6,13 +6,14 @@
   </p:sldMasterIdLst>
   <p:sldIdLst>
     <p:sldId id="264" r:id="rId2"/>
-    <p:sldId id="256" r:id="rId3"/>
-    <p:sldId id="257" r:id="rId4"/>
-    <p:sldId id="259" r:id="rId5"/>
-    <p:sldId id="261" r:id="rId6"/>
-    <p:sldId id="260" r:id="rId7"/>
-    <p:sldId id="262" r:id="rId8"/>
-    <p:sldId id="263" r:id="rId9"/>
+    <p:sldId id="265" r:id="rId3"/>
+    <p:sldId id="256" r:id="rId4"/>
+    <p:sldId id="257" r:id="rId5"/>
+    <p:sldId id="259" r:id="rId6"/>
+    <p:sldId id="261" r:id="rId7"/>
+    <p:sldId id="260" r:id="rId8"/>
+    <p:sldId id="262" r:id="rId9"/>
+    <p:sldId id="263" r:id="rId10"/>
   </p:sldIdLst>
   <p:sldSz cx="12192000" cy="6858000"/>
   <p:notesSz cx="6858000" cy="9144000"/>
@@ -268,7 +269,7 @@
           <a:p>
             <a:fld id="{E2BCE58C-FC7A-4652-831E-E61BBECB3576}" type="datetimeFigureOut">
               <a:rPr lang="th-TH" smtClean="0"/>
-              <a:t>09/11/63</a:t>
+              <a:t>19/11/63</a:t>
             </a:fld>
             <a:endParaRPr lang="th-TH"/>
           </a:p>
@@ -468,7 +469,7 @@
           <a:p>
             <a:fld id="{E2BCE58C-FC7A-4652-831E-E61BBECB3576}" type="datetimeFigureOut">
               <a:rPr lang="th-TH" smtClean="0"/>
-              <a:t>09/11/63</a:t>
+              <a:t>19/11/63</a:t>
             </a:fld>
             <a:endParaRPr lang="th-TH"/>
           </a:p>
@@ -678,7 +679,7 @@
           <a:p>
             <a:fld id="{E2BCE58C-FC7A-4652-831E-E61BBECB3576}" type="datetimeFigureOut">
               <a:rPr lang="th-TH" smtClean="0"/>
-              <a:t>09/11/63</a:t>
+              <a:t>19/11/63</a:t>
             </a:fld>
             <a:endParaRPr lang="th-TH"/>
           </a:p>
@@ -878,7 +879,7 @@
           <a:p>
             <a:fld id="{E2BCE58C-FC7A-4652-831E-E61BBECB3576}" type="datetimeFigureOut">
               <a:rPr lang="th-TH" smtClean="0"/>
-              <a:t>09/11/63</a:t>
+              <a:t>19/11/63</a:t>
             </a:fld>
             <a:endParaRPr lang="th-TH"/>
           </a:p>
@@ -1154,7 +1155,7 @@
           <a:p>
             <a:fld id="{E2BCE58C-FC7A-4652-831E-E61BBECB3576}" type="datetimeFigureOut">
               <a:rPr lang="th-TH" smtClean="0"/>
-              <a:t>09/11/63</a:t>
+              <a:t>19/11/63</a:t>
             </a:fld>
             <a:endParaRPr lang="th-TH"/>
           </a:p>
@@ -1422,7 +1423,7 @@
           <a:p>
             <a:fld id="{E2BCE58C-FC7A-4652-831E-E61BBECB3576}" type="datetimeFigureOut">
               <a:rPr lang="th-TH" smtClean="0"/>
-              <a:t>09/11/63</a:t>
+              <a:t>19/11/63</a:t>
             </a:fld>
             <a:endParaRPr lang="th-TH"/>
           </a:p>
@@ -1837,7 +1838,7 @@
           <a:p>
             <a:fld id="{E2BCE58C-FC7A-4652-831E-E61BBECB3576}" type="datetimeFigureOut">
               <a:rPr lang="th-TH" smtClean="0"/>
-              <a:t>09/11/63</a:t>
+              <a:t>19/11/63</a:t>
             </a:fld>
             <a:endParaRPr lang="th-TH"/>
           </a:p>
@@ -1979,7 +1980,7 @@
           <a:p>
             <a:fld id="{E2BCE58C-FC7A-4652-831E-E61BBECB3576}" type="datetimeFigureOut">
               <a:rPr lang="th-TH" smtClean="0"/>
-              <a:t>09/11/63</a:t>
+              <a:t>19/11/63</a:t>
             </a:fld>
             <a:endParaRPr lang="th-TH"/>
           </a:p>
@@ -2092,7 +2093,7 @@
           <a:p>
             <a:fld id="{E2BCE58C-FC7A-4652-831E-E61BBECB3576}" type="datetimeFigureOut">
               <a:rPr lang="th-TH" smtClean="0"/>
-              <a:t>09/11/63</a:t>
+              <a:t>19/11/63</a:t>
             </a:fld>
             <a:endParaRPr lang="th-TH"/>
           </a:p>
@@ -2405,7 +2406,7 @@
           <a:p>
             <a:fld id="{E2BCE58C-FC7A-4652-831E-E61BBECB3576}" type="datetimeFigureOut">
               <a:rPr lang="th-TH" smtClean="0"/>
-              <a:t>09/11/63</a:t>
+              <a:t>19/11/63</a:t>
             </a:fld>
             <a:endParaRPr lang="th-TH"/>
           </a:p>
@@ -2694,7 +2695,7 @@
           <a:p>
             <a:fld id="{E2BCE58C-FC7A-4652-831E-E61BBECB3576}" type="datetimeFigureOut">
               <a:rPr lang="th-TH" smtClean="0"/>
-              <a:t>09/11/63</a:t>
+              <a:t>19/11/63</a:t>
             </a:fld>
             <a:endParaRPr lang="th-TH"/>
           </a:p>
@@ -2937,7 +2938,7 @@
           <a:p>
             <a:fld id="{E2BCE58C-FC7A-4652-831E-E61BBECB3576}" type="datetimeFigureOut">
               <a:rPr lang="th-TH" smtClean="0"/>
-              <a:t>09/11/63</a:t>
+              <a:t>19/11/63</a:t>
             </a:fld>
             <a:endParaRPr lang="th-TH"/>
           </a:p>
@@ -3474,6 +3475,96 @@
           <a:chExt cx="0" cy="0"/>
         </a:xfrm>
       </p:grpSpPr>
+      <p:pic>
+        <p:nvPicPr>
+          <p:cNvPr id="4" name="Picture 3">
+            <a:extLst>
+              <a:ext uri="{FF2B5EF4-FFF2-40B4-BE49-F238E27FC236}">
+                <a16:creationId xmlns:a16="http://schemas.microsoft.com/office/drawing/2014/main" id="{4C0BC34E-B7D3-4C80-A715-9406A804F210}"/>
+              </a:ext>
+            </a:extLst>
+          </p:cNvPr>
+          <p:cNvPicPr>
+            <a:picLocks noChangeAspect="1"/>
+          </p:cNvPicPr>
+          <p:nvPr/>
+        </p:nvPicPr>
+        <p:blipFill>
+          <a:blip r:embed="rId2"/>
+          <a:stretch>
+            <a:fillRect/>
+          </a:stretch>
+        </p:blipFill>
+        <p:spPr>
+          <a:xfrm>
+            <a:off x="717871" y="276224"/>
+            <a:ext cx="6125421" cy="6108897"/>
+          </a:xfrm>
+          <a:prstGeom prst="rect">
+            <a:avLst/>
+          </a:prstGeom>
+        </p:spPr>
+      </p:pic>
+      <p:pic>
+        <p:nvPicPr>
+          <p:cNvPr id="5" name="Picture 4">
+            <a:extLst>
+              <a:ext uri="{FF2B5EF4-FFF2-40B4-BE49-F238E27FC236}">
+                <a16:creationId xmlns:a16="http://schemas.microsoft.com/office/drawing/2014/main" id="{9D867A0F-EA6D-44A3-9AFC-B70632CED792}"/>
+              </a:ext>
+            </a:extLst>
+          </p:cNvPr>
+          <p:cNvPicPr>
+            <a:picLocks noChangeAspect="1"/>
+          </p:cNvPicPr>
+          <p:nvPr/>
+        </p:nvPicPr>
+        <p:blipFill>
+          <a:blip r:embed="rId3"/>
+          <a:stretch>
+            <a:fillRect/>
+          </a:stretch>
+        </p:blipFill>
+        <p:spPr>
+          <a:xfrm>
+            <a:off x="7164567" y="489355"/>
+            <a:ext cx="4697919" cy="5417175"/>
+          </a:xfrm>
+          <a:prstGeom prst="rect">
+            <a:avLst/>
+          </a:prstGeom>
+        </p:spPr>
+      </p:pic>
+    </p:spTree>
+    <p:extLst>
+      <p:ext uri="{BB962C8B-B14F-4D97-AF65-F5344CB8AC3E}">
+        <p14:creationId xmlns:p14="http://schemas.microsoft.com/office/powerpoint/2010/main" val="785363760"/>
+      </p:ext>
+    </p:extLst>
+  </p:cSld>
+  <p:clrMapOvr>
+    <a:masterClrMapping/>
+  </p:clrMapOvr>
+</p:sld>
+</file>
+
+<file path=ppt/slides/slide3.xml><?xml version="1.0" encoding="utf-8"?>
+<p:sld xmlns:a="http://schemas.openxmlformats.org/drawingml/2006/main" xmlns:r="http://schemas.openxmlformats.org/officeDocument/2006/relationships" xmlns:p="http://schemas.openxmlformats.org/presentationml/2006/main">
+  <p:cSld>
+    <p:spTree>
+      <p:nvGrpSpPr>
+        <p:cNvPr id="1" name=""/>
+        <p:cNvGrpSpPr/>
+        <p:nvPr/>
+      </p:nvGrpSpPr>
+      <p:grpSpPr>
+        <a:xfrm>
+          <a:off x="0" y="0"/>
+          <a:ext cx="0" cy="0"/>
+          <a:chOff x="0" y="0"/>
+          <a:chExt cx="0" cy="0"/>
+        </a:xfrm>
+      </p:grpSpPr>
       <p:sp>
         <p:nvSpPr>
           <p:cNvPr id="2" name="Title 1">
@@ -3926,7 +4017,7 @@
 </p:sld>
 </file>
 
-<file path=ppt/slides/slide3.xml><?xml version="1.0" encoding="utf-8"?>
+<file path=ppt/slides/slide4.xml><?xml version="1.0" encoding="utf-8"?>
 <p:sld xmlns:a="http://schemas.openxmlformats.org/drawingml/2006/main" xmlns:r="http://schemas.openxmlformats.org/officeDocument/2006/relationships" xmlns:p="http://schemas.openxmlformats.org/presentationml/2006/main">
   <p:cSld>
     <p:spTree>
@@ -4090,7 +4181,7 @@
 </p:sld>
 </file>
 
-<file path=ppt/slides/slide4.xml><?xml version="1.0" encoding="utf-8"?>
+<file path=ppt/slides/slide5.xml><?xml version="1.0" encoding="utf-8"?>
 <p:sld xmlns:a="http://schemas.openxmlformats.org/drawingml/2006/main" xmlns:r="http://schemas.openxmlformats.org/officeDocument/2006/relationships" xmlns:p="http://schemas.openxmlformats.org/presentationml/2006/main">
   <p:cSld>
     <p:spTree>
@@ -4222,7 +4313,7 @@
 </p:sld>
 </file>
 
-<file path=ppt/slides/slide5.xml><?xml version="1.0" encoding="utf-8"?>
+<file path=ppt/slides/slide6.xml><?xml version="1.0" encoding="utf-8"?>
 <p:sld xmlns:a="http://schemas.openxmlformats.org/drawingml/2006/main" xmlns:r="http://schemas.openxmlformats.org/officeDocument/2006/relationships" xmlns:p="http://schemas.openxmlformats.org/presentationml/2006/main">
   <p:cSld>
     <p:spTree>
@@ -4321,7 +4412,7 @@
 </p:sld>
 </file>
 
-<file path=ppt/slides/slide6.xml><?xml version="1.0" encoding="utf-8"?>
+<file path=ppt/slides/slide7.xml><?xml version="1.0" encoding="utf-8"?>
 <p:sld xmlns:a="http://schemas.openxmlformats.org/drawingml/2006/main" xmlns:r="http://schemas.openxmlformats.org/officeDocument/2006/relationships" xmlns:p="http://schemas.openxmlformats.org/presentationml/2006/main">
   <p:cSld>
     <p:spTree>
@@ -4416,7 +4507,7 @@
 </p:sld>
 </file>
 
-<file path=ppt/slides/slide7.xml><?xml version="1.0" encoding="utf-8"?>
+<file path=ppt/slides/slide8.xml><?xml version="1.0" encoding="utf-8"?>
 <p:sld xmlns:a="http://schemas.openxmlformats.org/drawingml/2006/main" xmlns:r="http://schemas.openxmlformats.org/officeDocument/2006/relationships" xmlns:p="http://schemas.openxmlformats.org/presentationml/2006/main">
   <p:cSld>
     <p:spTree>
@@ -4513,7 +4604,7 @@
 </p:sld>
 </file>
 
-<file path=ppt/slides/slide8.xml><?xml version="1.0" encoding="utf-8"?>
+<file path=ppt/slides/slide9.xml><?xml version="1.0" encoding="utf-8"?>
 <p:sld xmlns:a="http://schemas.openxmlformats.org/drawingml/2006/main" xmlns:r="http://schemas.openxmlformats.org/officeDocument/2006/relationships" xmlns:p="http://schemas.openxmlformats.org/presentationml/2006/main">
   <p:cSld>
     <p:spTree>
